--- a/2013729042_CSE215_Virtual_Classroom.pptx
+++ b/2013729042_CSE215_Virtual_Classroom.pptx
@@ -16,8 +16,8 @@
     <p:sldId id="261" r:id="rId7"/>
     <p:sldId id="293" r:id="rId8"/>
     <p:sldId id="279" r:id="rId9"/>
-    <p:sldId id="277" r:id="rId10"/>
-    <p:sldId id="266" r:id="rId11"/>
+    <p:sldId id="266" r:id="rId10"/>
+    <p:sldId id="277" r:id="rId11"/>
     <p:sldId id="294" r:id="rId12"/>
     <p:sldId id="282" r:id="rId13"/>
   </p:sldIdLst>
@@ -10024,7 +10024,7 @@
     </p:spTree>
     <p:extLst>
       <p:ext uri="{BB962C8B-B14F-4D97-AF65-F5344CB8AC3E}">
-        <p14:creationId xmlns:p14="http://schemas.microsoft.com/office/powerpoint/2010/main" val="1718631944"/>
+        <p14:creationId xmlns:p14="http://schemas.microsoft.com/office/powerpoint/2010/main" val="2986387494"/>
       </p:ext>
     </p:extLst>
   </p:cSld>
@@ -10108,7 +10108,7 @@
     </p:spTree>
     <p:extLst>
       <p:ext uri="{BB962C8B-B14F-4D97-AF65-F5344CB8AC3E}">
-        <p14:creationId xmlns:p14="http://schemas.microsoft.com/office/powerpoint/2010/main" val="2986387494"/>
+        <p14:creationId xmlns:p14="http://schemas.microsoft.com/office/powerpoint/2010/main" val="1718631944"/>
       </p:ext>
     </p:extLst>
   </p:cSld>
@@ -15221,106 +15221,6 @@
           <p:cNvPr id="2" name="Title 1">
             <a:extLst>
               <a:ext uri="{FF2B5EF4-FFF2-40B4-BE49-F238E27FC236}">
-                <a16:creationId xmlns:a16="http://schemas.microsoft.com/office/drawing/2014/main" id="{338A15DE-D135-0710-9984-A0A55E960CB0}"/>
-              </a:ext>
-            </a:extLst>
-          </p:cNvPr>
-          <p:cNvSpPr>
-            <a:spLocks noGrp="1"/>
-          </p:cNvSpPr>
-          <p:nvPr>
-            <p:ph type="title"/>
-          </p:nvPr>
-        </p:nvSpPr>
-        <p:spPr>
-          <a:xfrm>
-            <a:off x="838201" y="3108678"/>
-            <a:ext cx="6172200" cy="640643"/>
-          </a:xfrm>
-          <a:noFill/>
-        </p:spPr>
-        <p:txBody>
-          <a:bodyPr anchor="b"/>
-          <a:lstStyle/>
-          <a:p>
-            <a:r>
-              <a:rPr lang="en-US" dirty="0"/>
-              <a:t>System architecture</a:t>
-            </a:r>
-          </a:p>
-        </p:txBody>
-      </p:sp>
-      <p:pic>
-        <p:nvPicPr>
-          <p:cNvPr id="10" name="Picture 9" descr="A diagram of a course&#10;&#10;Description automatically generated">
-            <a:extLst>
-              <a:ext uri="{FF2B5EF4-FFF2-40B4-BE49-F238E27FC236}">
-                <a16:creationId xmlns:a16="http://schemas.microsoft.com/office/drawing/2014/main" id="{F2A72EF1-EFFD-FD65-DB23-5D027A49AF3E}"/>
-              </a:ext>
-            </a:extLst>
-          </p:cNvPr>
-          <p:cNvPicPr>
-            <a:picLocks noChangeAspect="1"/>
-          </p:cNvPicPr>
-          <p:nvPr/>
-        </p:nvPicPr>
-        <p:blipFill>
-          <a:blip r:embed="rId3">
-            <a:extLst>
-              <a:ext uri="{28A0092B-C50C-407E-A947-70E740481C1C}">
-                <a14:useLocalDpi xmlns:a14="http://schemas.microsoft.com/office/drawing/2010/main" val="0"/>
-              </a:ext>
-            </a:extLst>
-          </a:blip>
-          <a:stretch>
-            <a:fillRect/>
-          </a:stretch>
-        </p:blipFill>
-        <p:spPr>
-          <a:xfrm>
-            <a:off x="7010401" y="95117"/>
-            <a:ext cx="4505325" cy="6667765"/>
-          </a:xfrm>
-          <a:prstGeom prst="rect">
-            <a:avLst/>
-          </a:prstGeom>
-        </p:spPr>
-      </p:pic>
-    </p:spTree>
-    <p:extLst>
-      <p:ext uri="{BB962C8B-B14F-4D97-AF65-F5344CB8AC3E}">
-        <p14:creationId xmlns:p14="http://schemas.microsoft.com/office/powerpoint/2010/main" val="1649597717"/>
-      </p:ext>
-    </p:extLst>
-  </p:cSld>
-  <p:clrMapOvr>
-    <a:masterClrMapping/>
-  </p:clrMapOvr>
-</p:sld>
-</file>
-
-<file path=ppt/slides/slide7.xml><?xml version="1.0" encoding="utf-8"?>
-<p:sld xmlns:a="http://schemas.openxmlformats.org/drawingml/2006/main" xmlns:r="http://schemas.openxmlformats.org/officeDocument/2006/relationships" xmlns:p="http://schemas.openxmlformats.org/presentationml/2006/main">
-  <p:cSld>
-    <p:spTree>
-      <p:nvGrpSpPr>
-        <p:cNvPr id="1" name=""/>
-        <p:cNvGrpSpPr/>
-        <p:nvPr/>
-      </p:nvGrpSpPr>
-      <p:grpSpPr>
-        <a:xfrm>
-          <a:off x="0" y="0"/>
-          <a:ext cx="0" cy="0"/>
-          <a:chOff x="0" y="0"/>
-          <a:chExt cx="0" cy="0"/>
-        </a:xfrm>
-      </p:grpSpPr>
-      <p:sp>
-        <p:nvSpPr>
-          <p:cNvPr id="2" name="Title 1">
-            <a:extLst>
-              <a:ext uri="{FF2B5EF4-FFF2-40B4-BE49-F238E27FC236}">
                 <a16:creationId xmlns:a16="http://schemas.microsoft.com/office/drawing/2014/main" id="{5D030A76-B788-B363-104E-266B7C7F7208}"/>
               </a:ext>
             </a:extLst>
@@ -15426,6 +15326,106 @@
     <p:extLst>
       <p:ext uri="{BB962C8B-B14F-4D97-AF65-F5344CB8AC3E}">
         <p14:creationId xmlns:p14="http://schemas.microsoft.com/office/powerpoint/2010/main" val="643777997"/>
+      </p:ext>
+    </p:extLst>
+  </p:cSld>
+  <p:clrMapOvr>
+    <a:masterClrMapping/>
+  </p:clrMapOvr>
+</p:sld>
+</file>
+
+<file path=ppt/slides/slide7.xml><?xml version="1.0" encoding="utf-8"?>
+<p:sld xmlns:a="http://schemas.openxmlformats.org/drawingml/2006/main" xmlns:r="http://schemas.openxmlformats.org/officeDocument/2006/relationships" xmlns:p="http://schemas.openxmlformats.org/presentationml/2006/main">
+  <p:cSld>
+    <p:spTree>
+      <p:nvGrpSpPr>
+        <p:cNvPr id="1" name=""/>
+        <p:cNvGrpSpPr/>
+        <p:nvPr/>
+      </p:nvGrpSpPr>
+      <p:grpSpPr>
+        <a:xfrm>
+          <a:off x="0" y="0"/>
+          <a:ext cx="0" cy="0"/>
+          <a:chOff x="0" y="0"/>
+          <a:chExt cx="0" cy="0"/>
+        </a:xfrm>
+      </p:grpSpPr>
+      <p:sp>
+        <p:nvSpPr>
+          <p:cNvPr id="2" name="Title 1">
+            <a:extLst>
+              <a:ext uri="{FF2B5EF4-FFF2-40B4-BE49-F238E27FC236}">
+                <a16:creationId xmlns:a16="http://schemas.microsoft.com/office/drawing/2014/main" id="{338A15DE-D135-0710-9984-A0A55E960CB0}"/>
+              </a:ext>
+            </a:extLst>
+          </p:cNvPr>
+          <p:cNvSpPr>
+            <a:spLocks noGrp="1"/>
+          </p:cNvSpPr>
+          <p:nvPr>
+            <p:ph type="title"/>
+          </p:nvPr>
+        </p:nvSpPr>
+        <p:spPr>
+          <a:xfrm>
+            <a:off x="838201" y="3108678"/>
+            <a:ext cx="6172200" cy="640643"/>
+          </a:xfrm>
+          <a:noFill/>
+        </p:spPr>
+        <p:txBody>
+          <a:bodyPr anchor="b"/>
+          <a:lstStyle/>
+          <a:p>
+            <a:r>
+              <a:rPr lang="en-US" dirty="0"/>
+              <a:t>System architecture</a:t>
+            </a:r>
+          </a:p>
+        </p:txBody>
+      </p:sp>
+      <p:pic>
+        <p:nvPicPr>
+          <p:cNvPr id="10" name="Picture 9" descr="A diagram of a course&#10;&#10;Description automatically generated">
+            <a:extLst>
+              <a:ext uri="{FF2B5EF4-FFF2-40B4-BE49-F238E27FC236}">
+                <a16:creationId xmlns:a16="http://schemas.microsoft.com/office/drawing/2014/main" id="{F2A72EF1-EFFD-FD65-DB23-5D027A49AF3E}"/>
+              </a:ext>
+            </a:extLst>
+          </p:cNvPr>
+          <p:cNvPicPr>
+            <a:picLocks noChangeAspect="1"/>
+          </p:cNvPicPr>
+          <p:nvPr/>
+        </p:nvPicPr>
+        <p:blipFill>
+          <a:blip r:embed="rId3">
+            <a:extLst>
+              <a:ext uri="{28A0092B-C50C-407E-A947-70E740481C1C}">
+                <a14:useLocalDpi xmlns:a14="http://schemas.microsoft.com/office/drawing/2010/main" val="0"/>
+              </a:ext>
+            </a:extLst>
+          </a:blip>
+          <a:stretch>
+            <a:fillRect/>
+          </a:stretch>
+        </p:blipFill>
+        <p:spPr>
+          <a:xfrm>
+            <a:off x="7010401" y="95117"/>
+            <a:ext cx="4505325" cy="6667765"/>
+          </a:xfrm>
+          <a:prstGeom prst="rect">
+            <a:avLst/>
+          </a:prstGeom>
+        </p:spPr>
+      </p:pic>
+    </p:spTree>
+    <p:extLst>
+      <p:ext uri="{BB962C8B-B14F-4D97-AF65-F5344CB8AC3E}">
+        <p14:creationId xmlns:p14="http://schemas.microsoft.com/office/powerpoint/2010/main" val="1649597717"/>
       </p:ext>
     </p:extLst>
   </p:cSld>
@@ -16451,35 +16451,6 @@
 </file>
 
 <file path=customXml/item1.xml><?xml version="1.0" encoding="utf-8"?>
-<p:properties xmlns:p="http://schemas.microsoft.com/office/2006/metadata/properties" xmlns:xsi="http://www.w3.org/2001/XMLSchema-instance" xmlns:pc="http://schemas.microsoft.com/office/infopath/2007/PartnerControls">
-  <documentManagement>
-    <_ip_UnifiedCompliancePolicyUIAction xmlns="http://schemas.microsoft.com/sharepoint/v3" xsi:nil="true"/>
-    <Image xmlns="71af3243-3dd4-4a8d-8c0d-dd76da1f02a5">
-      <Url xsi:nil="true"/>
-      <Description xsi:nil="true"/>
-    </Image>
-    <Status xmlns="71af3243-3dd4-4a8d-8c0d-dd76da1f02a5">Not started</Status>
-    <Background xmlns="71af3243-3dd4-4a8d-8c0d-dd76da1f02a5">false</Background>
-    <_ip_UnifiedCompliancePolicyProperties xmlns="http://schemas.microsoft.com/sharepoint/v3" xsi:nil="true"/>
-    <ImageTagsTaxHTField xmlns="71af3243-3dd4-4a8d-8c0d-dd76da1f02a5">
-      <Terms xmlns="http://schemas.microsoft.com/office/infopath/2007/PartnerControls"/>
-    </ImageTagsTaxHTField>
-    <TaxCatchAll xmlns="230e9df3-be65-4c73-a93b-d1236ebd677e" xsi:nil="true"/>
-    <MediaServiceKeyPoints xmlns="71af3243-3dd4-4a8d-8c0d-dd76da1f02a5" xsi:nil="true"/>
-  </documentManagement>
-</p:properties>
-</file>
-
-<file path=customXml/item2.xml><?xml version="1.0" encoding="utf-8"?>
-<?mso-contentType ?>
-<FormTemplates xmlns="http://schemas.microsoft.com/sharepoint/v3/contenttype/forms">
-  <Display>DocumentLibraryForm</Display>
-  <Edit>DocumentLibraryForm</Edit>
-  <New>DocumentLibraryForm</New>
-</FormTemplates>
-</file>
-
-<file path=customXml/item3.xml><?xml version="1.0" encoding="utf-8"?>
 <ct:contentTypeSchema xmlns:ct="http://schemas.microsoft.com/office/2006/metadata/contentType" xmlns:ma="http://schemas.microsoft.com/office/2006/metadata/properties/metaAttributes" ct:_="" ma:_="" ma:contentTypeName="Document" ma:contentTypeID="0x01010079F111ED35F8CC479449609E8A0923A6" ma:contentTypeVersion="28" ma:contentTypeDescription="Create a new document." ma:contentTypeScope="" ma:versionID="60f5a4f2d2b0abadcf532d48ebf9cb71">
   <xsd:schema xmlns:xsd="http://www.w3.org/2001/XMLSchema" xmlns:xs="http://www.w3.org/2001/XMLSchema" xmlns:p="http://schemas.microsoft.com/office/2006/metadata/properties" xmlns:ns1="http://schemas.microsoft.com/sharepoint/v3" xmlns:ns2="71af3243-3dd4-4a8d-8c0d-dd76da1f02a5" xmlns:ns3="16c05727-aa75-4e4a-9b5f-8a80a1165891" xmlns:ns4="230e9df3-be65-4c73-a93b-d1236ebd677e" targetNamespace="http://schemas.microsoft.com/office/2006/metadata/properties" ma:root="true" ma:fieldsID="7dd78129e6a1811f84807ad11c651531" ns1:_="" ns2:_="" ns3:_="" ns4:_="">
     <xsd:import namespace="http://schemas.microsoft.com/sharepoint/v3"/>
@@ -16791,27 +16762,36 @@
 </ct:contentTypeSchema>
 </file>
 
-<file path=customXml/itemProps1.xml><?xml version="1.0" encoding="utf-8"?>
-<ds:datastoreItem xmlns:ds="http://schemas.openxmlformats.org/officeDocument/2006/customXml" ds:itemID="{85C2645A-E767-4D7E-984D-234E531E4556}">
-  <ds:schemaRefs>
-    <ds:schemaRef ds:uri="http://schemas.microsoft.com/office/2006/metadata/properties"/>
-    <ds:schemaRef ds:uri="http://schemas.microsoft.com/office/infopath/2007/PartnerControls"/>
-    <ds:schemaRef ds:uri="http://schemas.microsoft.com/sharepoint/v3"/>
-    <ds:schemaRef ds:uri="71af3243-3dd4-4a8d-8c0d-dd76da1f02a5"/>
-    <ds:schemaRef ds:uri="230e9df3-be65-4c73-a93b-d1236ebd677e"/>
-  </ds:schemaRefs>
-</ds:datastoreItem>
+<file path=customXml/item2.xml><?xml version="1.0" encoding="utf-8"?>
+<?mso-contentType ?>
+<FormTemplates xmlns="http://schemas.microsoft.com/sharepoint/v3/contenttype/forms">
+  <Display>DocumentLibraryForm</Display>
+  <Edit>DocumentLibraryForm</Edit>
+  <New>DocumentLibraryForm</New>
+</FormTemplates>
 </file>
 
-<file path=customXml/itemProps2.xml><?xml version="1.0" encoding="utf-8"?>
-<ds:datastoreItem xmlns:ds="http://schemas.openxmlformats.org/officeDocument/2006/customXml" ds:itemID="{0F048343-1EA9-44C3-883E-652FAAF0713E}">
-  <ds:schemaRefs>
-    <ds:schemaRef ds:uri="http://schemas.microsoft.com/sharepoint/v3/contenttype/forms"/>
-  </ds:schemaRefs>
-</ds:datastoreItem>
+<file path=customXml/item3.xml><?xml version="1.0" encoding="utf-8"?>
+<p:properties xmlns:p="http://schemas.microsoft.com/office/2006/metadata/properties" xmlns:xsi="http://www.w3.org/2001/XMLSchema-instance" xmlns:pc="http://schemas.microsoft.com/office/infopath/2007/PartnerControls">
+  <documentManagement>
+    <_ip_UnifiedCompliancePolicyUIAction xmlns="http://schemas.microsoft.com/sharepoint/v3" xsi:nil="true"/>
+    <Image xmlns="71af3243-3dd4-4a8d-8c0d-dd76da1f02a5">
+      <Url xsi:nil="true"/>
+      <Description xsi:nil="true"/>
+    </Image>
+    <Status xmlns="71af3243-3dd4-4a8d-8c0d-dd76da1f02a5">Not started</Status>
+    <Background xmlns="71af3243-3dd4-4a8d-8c0d-dd76da1f02a5">false</Background>
+    <_ip_UnifiedCompliancePolicyProperties xmlns="http://schemas.microsoft.com/sharepoint/v3" xsi:nil="true"/>
+    <ImageTagsTaxHTField xmlns="71af3243-3dd4-4a8d-8c0d-dd76da1f02a5">
+      <Terms xmlns="http://schemas.microsoft.com/office/infopath/2007/PartnerControls"/>
+    </ImageTagsTaxHTField>
+    <TaxCatchAll xmlns="230e9df3-be65-4c73-a93b-d1236ebd677e" xsi:nil="true"/>
+    <MediaServiceKeyPoints xmlns="71af3243-3dd4-4a8d-8c0d-dd76da1f02a5" xsi:nil="true"/>
+  </documentManagement>
+</p:properties>
 </file>
 
-<file path=customXml/itemProps3.xml><?xml version="1.0" encoding="utf-8"?>
+<file path=customXml/itemProps1.xml><?xml version="1.0" encoding="utf-8"?>
 <ds:datastoreItem xmlns:ds="http://schemas.openxmlformats.org/officeDocument/2006/customXml" ds:itemID="{5F2A2379-DD35-4769-BFD6-4857D72F808A}">
   <ds:schemaRefs>
     <ds:schemaRef ds:uri="http://schemas.microsoft.com/office/2006/metadata/contentType"/>
@@ -16832,6 +16812,26 @@
 </ds:datastoreItem>
 </file>
 
+<file path=customXml/itemProps2.xml><?xml version="1.0" encoding="utf-8"?>
+<ds:datastoreItem xmlns:ds="http://schemas.openxmlformats.org/officeDocument/2006/customXml" ds:itemID="{0F048343-1EA9-44C3-883E-652FAAF0713E}">
+  <ds:schemaRefs>
+    <ds:schemaRef ds:uri="http://schemas.microsoft.com/sharepoint/v3/contenttype/forms"/>
+  </ds:schemaRefs>
+</ds:datastoreItem>
+</file>
+
+<file path=customXml/itemProps3.xml><?xml version="1.0" encoding="utf-8"?>
+<ds:datastoreItem xmlns:ds="http://schemas.openxmlformats.org/officeDocument/2006/customXml" ds:itemID="{85C2645A-E767-4D7E-984D-234E531E4556}">
+  <ds:schemaRefs>
+    <ds:schemaRef ds:uri="http://schemas.microsoft.com/office/2006/metadata/properties"/>
+    <ds:schemaRef ds:uri="http://schemas.microsoft.com/office/infopath/2007/PartnerControls"/>
+    <ds:schemaRef ds:uri="http://schemas.microsoft.com/sharepoint/v3"/>
+    <ds:schemaRef ds:uri="71af3243-3dd4-4a8d-8c0d-dd76da1f02a5"/>
+    <ds:schemaRef ds:uri="230e9df3-be65-4c73-a93b-d1236ebd677e"/>
+  </ds:schemaRefs>
+</ds:datastoreItem>
+</file>
+
 <file path=docMetadata/LabelInfo.xml><?xml version="1.0" encoding="utf-8"?>
 <clbl:labelList xmlns:clbl="http://schemas.microsoft.com/office/2020/mipLabelMetadata"/>
 </file>